--- a/lectures/Lecture6-01-31-23-NumericalIntegration.pptx
+++ b/lectures/Lecture6-01-31-23-NumericalIntegration.pptx
@@ -279,7 +279,7 @@
           <a:p>
             <a:fld id="{961AF02B-09B0-4980-983D-27C0EDB561B5}" type="datetimeFigureOut">
               <a:rPr lang="uk-UA" smtClean="0"/>
-              <a:t>02.02.2023</a:t>
+              <a:t>01.05.23</a:t>
             </a:fld>
             <a:endParaRPr lang="uk-UA"/>
           </a:p>
@@ -4416,17 +4416,8 @@
               <a:rPr lang="en-US" sz="2200" dirty="0">
                 <a:latin typeface="+mj-lt"/>
               </a:rPr>
-              <a:t>Adaptive </a:t>
-            </a:r>
-            <a:r>
-              <a:rPr lang="en-US" sz="2200" dirty="0" err="1">
-                <a:latin typeface="+mj-lt"/>
-              </a:rPr>
-              <a:t>quadratures</a:t>
-            </a:r>
-            <a:endParaRPr lang="en-US" sz="2200" dirty="0">
-              <a:latin typeface="+mj-lt"/>
-            </a:endParaRPr>
+              <a:t>Adaptive quadrature</a:t>
+            </a:r>
           </a:p>
           <a:p>
             <a:pPr marL="342900" indent="-342900">
@@ -5021,8 +5012,8 @@
         </p:nvSpPr>
         <p:spPr>
           <a:xfrm>
-            <a:off x="945026" y="3046616"/>
-            <a:ext cx="5189040" cy="430887"/>
+            <a:off x="945025" y="3046616"/>
+            <a:ext cx="6555232" cy="430887"/>
           </a:xfrm>
           <a:prstGeom prst="rect">
             <a:avLst/>
@@ -5040,7 +5031,7 @@
                 <a:latin typeface="+mj-lt"/>
                 <a:ea typeface="DejaVu Sans"/>
               </a:rPr>
-              <a:t>Combine them to eliminate O(h</a:t>
+              <a:t>Combine them to eliminate the O(h</a:t>
             </a:r>
             <a:r>
               <a:rPr lang="en-US" sz="2200" baseline="30000" dirty="0">
@@ -5054,7 +5045,7 @@
                 <a:latin typeface="+mj-lt"/>
                 <a:ea typeface="DejaVu Sans"/>
               </a:rPr>
-              <a:t>) error:</a:t>
+              <a:t>) error term:</a:t>
             </a:r>
             <a:endParaRPr lang="en-US" sz="2200" dirty="0">
               <a:effectLst/>
@@ -5272,7 +5263,7 @@
         <p:spPr>
           <a:xfrm>
             <a:off x="945026" y="5936676"/>
-            <a:ext cx="7847679" cy="430887"/>
+            <a:ext cx="7847679" cy="769441"/>
           </a:xfrm>
           <a:prstGeom prst="rect">
             <a:avLst/>
@@ -5290,7 +5281,7 @@
                 <a:latin typeface="+mj-lt"/>
                 <a:ea typeface="DejaVu Sans"/>
               </a:rPr>
-              <a:t>Equivalent way: replace the integrand by parabolic interpolation</a:t>
+              <a:t>An equivalent way to obtain the rule: replace the integrand by the parabolic interpolation</a:t>
             </a:r>
             <a:endParaRPr lang="en-US" sz="2200" dirty="0">
               <a:effectLst/>
@@ -6647,11 +6638,7 @@
           <a:p>
             <a:r>
               <a:rPr lang="en-US" dirty="0"/>
-              <a:t>Adaptive </a:t>
-            </a:r>
-            <a:r>
-              <a:rPr lang="en-US" dirty="0" err="1"/>
-              <a:t>quadratures</a:t>
+              <a:t>Adaptive quadrature</a:t>
             </a:r>
             <a:endParaRPr lang="uk-UA" dirty="0"/>
           </a:p>
@@ -6682,8 +6669,8 @@
           </a:p>
         </p:txBody>
       </p:sp>
-      <mc:AlternateContent xmlns:mc="http://schemas.openxmlformats.org/markup-compatibility/2006">
-        <mc:Choice xmlns:a14="http://schemas.microsoft.com/office/drawing/2010/main" Requires="a14">
+      <mc:AlternateContent xmlns:mc="http://schemas.openxmlformats.org/markup-compatibility/2006" xmlns:a14="http://schemas.microsoft.com/office/drawing/2010/main">
+        <mc:Choice Requires="a14">
           <p:sp>
             <p:nvSpPr>
               <p:cNvPr id="3" name="TextBox 2">
@@ -6927,7 +6914,7 @@
             </p:txBody>
           </p:sp>
         </mc:Choice>
-        <mc:Fallback>
+        <mc:Fallback xmlns="">
           <p:sp>
             <p:nvSpPr>
               <p:cNvPr id="3" name="TextBox 2">
@@ -8708,8 +8695,8 @@
         </p:nvSpPr>
         <p:spPr>
           <a:xfrm>
-            <a:off x="864741" y="1419380"/>
-            <a:ext cx="7225374" cy="1785104"/>
+            <a:off x="864740" y="1419380"/>
+            <a:ext cx="7658773" cy="1785104"/>
           </a:xfrm>
           <a:prstGeom prst="rect">
             <a:avLst/>
@@ -8730,7 +8717,7 @@
               <a:rPr lang="en-US" sz="2200" dirty="0">
                 <a:latin typeface="+mj-lt"/>
               </a:rPr>
-              <a:t>Contain integrable singularities (typically at endpoints)</a:t>
+              <a:t>Contain integrable singularities (typically at the endpoints)</a:t>
             </a:r>
           </a:p>
           <a:p>
@@ -8963,7 +8950,7 @@
         <p:spPr>
           <a:xfrm>
             <a:off x="864741" y="1419380"/>
-            <a:ext cx="7225374" cy="3816429"/>
+            <a:ext cx="7462830" cy="3816429"/>
           </a:xfrm>
           <a:prstGeom prst="rect">
             <a:avLst/>
@@ -8984,7 +8971,7 @@
               <a:rPr lang="en-US" sz="2200" dirty="0">
                 <a:latin typeface="+mj-lt"/>
               </a:rPr>
-              <a:t>Even though if the singularities at integration endpoints are integrable trapezoidal, Simpson, etc. method will fail because they evaluate the integrand at endpoints </a:t>
+              <a:t>Even though if the singularities at integration endpoints are integrable, the trapezoidal, Simpson, etc. methods will fail because they evaluate the integrand at the endpoints </a:t>
             </a:r>
           </a:p>
           <a:p>
@@ -9956,7 +9943,7 @@
               <a:rPr lang="en-US" dirty="0">
                 <a:latin typeface="+mj-lt"/>
               </a:rPr>
-              <a:t>NB: Other options for variable change are possible</a:t>
+              <a:t>NB: Other options for the change of variable are possible</a:t>
             </a:r>
           </a:p>
         </p:txBody>
@@ -10348,7 +10335,7 @@
         <p:spPr>
           <a:xfrm>
             <a:off x="906961" y="1154318"/>
-            <a:ext cx="6372075" cy="769441"/>
+            <a:ext cx="6887210" cy="769441"/>
           </a:xfrm>
           <a:prstGeom prst="rect">
             <a:avLst/>
@@ -10366,7 +10353,7 @@
                 <a:latin typeface="+mj-lt"/>
                 <a:ea typeface="DejaVu Sans"/>
               </a:rPr>
-              <a:t>Interpret the integral as area under the curve and approximate by a rectangle evaluated at midpoint</a:t>
+              <a:t>Interpret the integral as the area under the curve and approximate by a rectangle evaluated at midpoint</a:t>
             </a:r>
             <a:endParaRPr lang="en-US" sz="2200" dirty="0">
               <a:effectLst/>
@@ -10669,7 +10656,7 @@
                 <a:latin typeface="+mj-lt"/>
                 <a:ea typeface="DejaVu Sans"/>
               </a:rPr>
-              <a:t>Although rectangle is a poor approximate of the line (which is a trapezoid here), the errors cancel out</a:t>
+              <a:t>Although the rectangle is a poor approximate of the line (which is a trapezoid here), the errors cancel out</a:t>
             </a:r>
             <a:endParaRPr lang="en-US" sz="2200" dirty="0">
               <a:effectLst/>
@@ -12081,7 +12068,7 @@
                 <a:latin typeface="+mj-lt"/>
                 <a:ea typeface="DejaVu Sans"/>
               </a:rPr>
-              <a:t> = 16, way off in the opposite direction relative to rectangle rule</a:t>
+              <a:t> = 16, way off and in the opposite direction relative to rectangle rule</a:t>
             </a:r>
             <a:endParaRPr lang="en-US" sz="2200" dirty="0">
               <a:effectLst/>
